--- a/ppt/11.继承和多态.pptx
+++ b/ppt/11.继承和多态.pptx
@@ -264,7 +264,7 @@
           <a:p>
             <a:fld id="{66C3546E-20F6-7649-A9A4-4E4A245D3E82}" type="datetimeFigureOut">
               <a:rPr kumimoji="1" lang="zh-CN" altLang="en-US" smtClean="0"/>
-              <a:t>2020/3/25</a:t>
+              <a:t>2020/3/29</a:t>
             </a:fld>
             <a:endParaRPr kumimoji="1" lang="zh-CN" altLang="en-US"/>
           </a:p>
@@ -3796,7 +3796,7 @@
           <a:p>
             <a:fld id="{1C49BB65-7B3F-4D4E-A397-BBFD82890A5A}" type="datetimeFigureOut">
               <a:rPr kumimoji="1" lang="zh-CN" altLang="en-US" smtClean="0"/>
-              <a:t>2020/3/25</a:t>
+              <a:t>2020/3/29</a:t>
             </a:fld>
             <a:endParaRPr kumimoji="1" lang="zh-CN" altLang="en-US"/>
           </a:p>
@@ -3994,7 +3994,7 @@
           <a:p>
             <a:fld id="{1C49BB65-7B3F-4D4E-A397-BBFD82890A5A}" type="datetimeFigureOut">
               <a:rPr kumimoji="1" lang="zh-CN" altLang="en-US" smtClean="0"/>
-              <a:t>2020/3/25</a:t>
+              <a:t>2020/3/29</a:t>
             </a:fld>
             <a:endParaRPr kumimoji="1" lang="zh-CN" altLang="en-US"/>
           </a:p>
@@ -4202,7 +4202,7 @@
           <a:p>
             <a:fld id="{1C49BB65-7B3F-4D4E-A397-BBFD82890A5A}" type="datetimeFigureOut">
               <a:rPr kumimoji="1" lang="zh-CN" altLang="en-US" smtClean="0"/>
-              <a:t>2020/3/25</a:t>
+              <a:t>2020/3/29</a:t>
             </a:fld>
             <a:endParaRPr kumimoji="1" lang="zh-CN" altLang="en-US"/>
           </a:p>
@@ -4400,7 +4400,7 @@
           <a:p>
             <a:fld id="{1C49BB65-7B3F-4D4E-A397-BBFD82890A5A}" type="datetimeFigureOut">
               <a:rPr kumimoji="1" lang="zh-CN" altLang="en-US" smtClean="0"/>
-              <a:t>2020/3/25</a:t>
+              <a:t>2020/3/29</a:t>
             </a:fld>
             <a:endParaRPr kumimoji="1" lang="zh-CN" altLang="en-US"/>
           </a:p>
@@ -4675,7 +4675,7 @@
           <a:p>
             <a:fld id="{1C49BB65-7B3F-4D4E-A397-BBFD82890A5A}" type="datetimeFigureOut">
               <a:rPr kumimoji="1" lang="zh-CN" altLang="en-US" smtClean="0"/>
-              <a:t>2020/3/25</a:t>
+              <a:t>2020/3/29</a:t>
             </a:fld>
             <a:endParaRPr kumimoji="1" lang="zh-CN" altLang="en-US"/>
           </a:p>
@@ -4940,7 +4940,7 @@
           <a:p>
             <a:fld id="{1C49BB65-7B3F-4D4E-A397-BBFD82890A5A}" type="datetimeFigureOut">
               <a:rPr kumimoji="1" lang="zh-CN" altLang="en-US" smtClean="0"/>
-              <a:t>2020/3/25</a:t>
+              <a:t>2020/3/29</a:t>
             </a:fld>
             <a:endParaRPr kumimoji="1" lang="zh-CN" altLang="en-US"/>
           </a:p>
@@ -5352,7 +5352,7 @@
           <a:p>
             <a:fld id="{1C49BB65-7B3F-4D4E-A397-BBFD82890A5A}" type="datetimeFigureOut">
               <a:rPr kumimoji="1" lang="zh-CN" altLang="en-US" smtClean="0"/>
-              <a:t>2020/3/25</a:t>
+              <a:t>2020/3/29</a:t>
             </a:fld>
             <a:endParaRPr kumimoji="1" lang="zh-CN" altLang="en-US"/>
           </a:p>
@@ -5493,7 +5493,7 @@
           <a:p>
             <a:fld id="{1C49BB65-7B3F-4D4E-A397-BBFD82890A5A}" type="datetimeFigureOut">
               <a:rPr kumimoji="1" lang="zh-CN" altLang="en-US" smtClean="0"/>
-              <a:t>2020/3/25</a:t>
+              <a:t>2020/3/29</a:t>
             </a:fld>
             <a:endParaRPr kumimoji="1" lang="zh-CN" altLang="en-US"/>
           </a:p>
@@ -5863,7 +5863,7 @@
           <a:p>
             <a:fld id="{1C49BB65-7B3F-4D4E-A397-BBFD82890A5A}" type="datetimeFigureOut">
               <a:rPr kumimoji="1" lang="zh-CN" altLang="en-US" smtClean="0"/>
-              <a:t>2020/3/25</a:t>
+              <a:t>2020/3/29</a:t>
             </a:fld>
             <a:endParaRPr kumimoji="1" lang="zh-CN" altLang="en-US"/>
           </a:p>
@@ -6151,7 +6151,7 @@
           <a:p>
             <a:fld id="{1C49BB65-7B3F-4D4E-A397-BBFD82890A5A}" type="datetimeFigureOut">
               <a:rPr kumimoji="1" lang="zh-CN" altLang="en-US" smtClean="0"/>
-              <a:t>2020/3/25</a:t>
+              <a:t>2020/3/29</a:t>
             </a:fld>
             <a:endParaRPr kumimoji="1" lang="zh-CN" altLang="en-US"/>
           </a:p>
@@ -6392,7 +6392,7 @@
           <a:p>
             <a:fld id="{1C49BB65-7B3F-4D4E-A397-BBFD82890A5A}" type="datetimeFigureOut">
               <a:rPr kumimoji="1" lang="zh-CN" altLang="en-US" smtClean="0"/>
-              <a:t>2020/3/25</a:t>
+              <a:t>2020/3/29</a:t>
             </a:fld>
             <a:endParaRPr kumimoji="1" lang="zh-CN" altLang="en-US"/>
           </a:p>
@@ -15083,84 +15083,6 @@
   <p:clrMapOvr>
     <a:masterClrMapping/>
   </p:clrMapOvr>
-  <p:timing>
-    <p:tnLst>
-      <p:par>
-        <p:cTn id="1" dur="indefinite" restart="never" nodeType="tmRoot">
-          <p:childTnLst>
-            <p:seq concurrent="1" nextAc="seek">
-              <p:cTn id="2" dur="indefinite" nodeType="mainSeq">
-                <p:childTnLst>
-                  <p:par>
-                    <p:cTn id="3" fill="hold">
-                      <p:stCondLst>
-                        <p:cond delay="indefinite"/>
-                      </p:stCondLst>
-                      <p:childTnLst>
-                        <p:par>
-                          <p:cTn id="4" fill="hold">
-                            <p:stCondLst>
-                              <p:cond delay="0"/>
-                            </p:stCondLst>
-                            <p:childTnLst>
-                              <p:par>
-                                <p:cTn id="5" presetID="1" presetClass="entr" presetSubtype="0" fill="hold" grpId="0" nodeType="clickEffect">
-                                  <p:stCondLst>
-                                    <p:cond delay="0"/>
-                                  </p:stCondLst>
-                                  <p:childTnLst>
-                                    <p:set>
-                                      <p:cBhvr>
-                                        <p:cTn id="6" dur="1" fill="hold">
-                                          <p:stCondLst>
-                                            <p:cond delay="0"/>
-                                          </p:stCondLst>
-                                        </p:cTn>
-                                        <p:tgtEl>
-                                          <p:spTgt spid="13"/>
-                                        </p:tgtEl>
-                                        <p:attrNameLst>
-                                          <p:attrName>style.visibility</p:attrName>
-                                        </p:attrNameLst>
-                                      </p:cBhvr>
-                                      <p:to>
-                                        <p:strVal val="visible"/>
-                                      </p:to>
-                                    </p:set>
-                                  </p:childTnLst>
-                                </p:cTn>
-                              </p:par>
-                            </p:childTnLst>
-                          </p:cTn>
-                        </p:par>
-                      </p:childTnLst>
-                    </p:cTn>
-                  </p:par>
-                </p:childTnLst>
-              </p:cTn>
-              <p:prevCondLst>
-                <p:cond evt="onPrev" delay="0">
-                  <p:tgtEl>
-                    <p:sldTgt/>
-                  </p:tgtEl>
-                </p:cond>
-              </p:prevCondLst>
-              <p:nextCondLst>
-                <p:cond evt="onNext" delay="0">
-                  <p:tgtEl>
-                    <p:sldTgt/>
-                  </p:tgtEl>
-                </p:cond>
-              </p:nextCondLst>
-            </p:seq>
-          </p:childTnLst>
-        </p:cTn>
-      </p:par>
-    </p:tnLst>
-    <p:bldLst>
-      <p:bldP spid="13" grpId="0"/>
-    </p:bldLst>
-  </p:timing>
 </p:sld>
 </file>
 
@@ -15555,84 +15477,6 @@
   <p:clrMapOvr>
     <a:masterClrMapping/>
   </p:clrMapOvr>
-  <p:timing>
-    <p:tnLst>
-      <p:par>
-        <p:cTn id="1" dur="indefinite" restart="never" nodeType="tmRoot">
-          <p:childTnLst>
-            <p:seq concurrent="1" nextAc="seek">
-              <p:cTn id="2" dur="indefinite" nodeType="mainSeq">
-                <p:childTnLst>
-                  <p:par>
-                    <p:cTn id="3" fill="hold">
-                      <p:stCondLst>
-                        <p:cond delay="indefinite"/>
-                      </p:stCondLst>
-                      <p:childTnLst>
-                        <p:par>
-                          <p:cTn id="4" fill="hold">
-                            <p:stCondLst>
-                              <p:cond delay="0"/>
-                            </p:stCondLst>
-                            <p:childTnLst>
-                              <p:par>
-                                <p:cTn id="5" presetID="1" presetClass="entr" presetSubtype="0" fill="hold" grpId="0" nodeType="clickEffect">
-                                  <p:stCondLst>
-                                    <p:cond delay="0"/>
-                                  </p:stCondLst>
-                                  <p:childTnLst>
-                                    <p:set>
-                                      <p:cBhvr>
-                                        <p:cTn id="6" dur="1" fill="hold">
-                                          <p:stCondLst>
-                                            <p:cond delay="0"/>
-                                          </p:stCondLst>
-                                        </p:cTn>
-                                        <p:tgtEl>
-                                          <p:spTgt spid="13"/>
-                                        </p:tgtEl>
-                                        <p:attrNameLst>
-                                          <p:attrName>style.visibility</p:attrName>
-                                        </p:attrNameLst>
-                                      </p:cBhvr>
-                                      <p:to>
-                                        <p:strVal val="visible"/>
-                                      </p:to>
-                                    </p:set>
-                                  </p:childTnLst>
-                                </p:cTn>
-                              </p:par>
-                            </p:childTnLst>
-                          </p:cTn>
-                        </p:par>
-                      </p:childTnLst>
-                    </p:cTn>
-                  </p:par>
-                </p:childTnLst>
-              </p:cTn>
-              <p:prevCondLst>
-                <p:cond evt="onPrev" delay="0">
-                  <p:tgtEl>
-                    <p:sldTgt/>
-                  </p:tgtEl>
-                </p:cond>
-              </p:prevCondLst>
-              <p:nextCondLst>
-                <p:cond evt="onNext" delay="0">
-                  <p:tgtEl>
-                    <p:sldTgt/>
-                  </p:tgtEl>
-                </p:cond>
-              </p:nextCondLst>
-            </p:seq>
-          </p:childTnLst>
-        </p:cTn>
-      </p:par>
-    </p:tnLst>
-    <p:bldLst>
-      <p:bldP spid="13" grpId="0"/>
-    </p:bldLst>
-  </p:timing>
 </p:sld>
 </file>
 
@@ -16111,84 +15955,6 @@
   <p:clrMapOvr>
     <a:masterClrMapping/>
   </p:clrMapOvr>
-  <p:timing>
-    <p:tnLst>
-      <p:par>
-        <p:cTn id="1" dur="indefinite" restart="never" nodeType="tmRoot">
-          <p:childTnLst>
-            <p:seq concurrent="1" nextAc="seek">
-              <p:cTn id="2" dur="indefinite" nodeType="mainSeq">
-                <p:childTnLst>
-                  <p:par>
-                    <p:cTn id="3" fill="hold">
-                      <p:stCondLst>
-                        <p:cond delay="indefinite"/>
-                      </p:stCondLst>
-                      <p:childTnLst>
-                        <p:par>
-                          <p:cTn id="4" fill="hold">
-                            <p:stCondLst>
-                              <p:cond delay="0"/>
-                            </p:stCondLst>
-                            <p:childTnLst>
-                              <p:par>
-                                <p:cTn id="5" presetID="1" presetClass="entr" presetSubtype="0" fill="hold" grpId="0" nodeType="clickEffect">
-                                  <p:stCondLst>
-                                    <p:cond delay="0"/>
-                                  </p:stCondLst>
-                                  <p:childTnLst>
-                                    <p:set>
-                                      <p:cBhvr>
-                                        <p:cTn id="6" dur="1" fill="hold">
-                                          <p:stCondLst>
-                                            <p:cond delay="0"/>
-                                          </p:stCondLst>
-                                        </p:cTn>
-                                        <p:tgtEl>
-                                          <p:spTgt spid="13"/>
-                                        </p:tgtEl>
-                                        <p:attrNameLst>
-                                          <p:attrName>style.visibility</p:attrName>
-                                        </p:attrNameLst>
-                                      </p:cBhvr>
-                                      <p:to>
-                                        <p:strVal val="visible"/>
-                                      </p:to>
-                                    </p:set>
-                                  </p:childTnLst>
-                                </p:cTn>
-                              </p:par>
-                            </p:childTnLst>
-                          </p:cTn>
-                        </p:par>
-                      </p:childTnLst>
-                    </p:cTn>
-                  </p:par>
-                </p:childTnLst>
-              </p:cTn>
-              <p:prevCondLst>
-                <p:cond evt="onPrev" delay="0">
-                  <p:tgtEl>
-                    <p:sldTgt/>
-                  </p:tgtEl>
-                </p:cond>
-              </p:prevCondLst>
-              <p:nextCondLst>
-                <p:cond evt="onNext" delay="0">
-                  <p:tgtEl>
-                    <p:sldTgt/>
-                  </p:tgtEl>
-                </p:cond>
-              </p:nextCondLst>
-            </p:seq>
-          </p:childTnLst>
-        </p:cTn>
-      </p:par>
-    </p:tnLst>
-    <p:bldLst>
-      <p:bldP spid="13" grpId="0"/>
-    </p:bldLst>
-  </p:timing>
 </p:sld>
 </file>
 
@@ -16551,84 +16317,6 @@
   <p:clrMapOvr>
     <a:masterClrMapping/>
   </p:clrMapOvr>
-  <p:timing>
-    <p:tnLst>
-      <p:par>
-        <p:cTn id="1" dur="indefinite" restart="never" nodeType="tmRoot">
-          <p:childTnLst>
-            <p:seq concurrent="1" nextAc="seek">
-              <p:cTn id="2" dur="indefinite" nodeType="mainSeq">
-                <p:childTnLst>
-                  <p:par>
-                    <p:cTn id="3" fill="hold">
-                      <p:stCondLst>
-                        <p:cond delay="indefinite"/>
-                      </p:stCondLst>
-                      <p:childTnLst>
-                        <p:par>
-                          <p:cTn id="4" fill="hold">
-                            <p:stCondLst>
-                              <p:cond delay="0"/>
-                            </p:stCondLst>
-                            <p:childTnLst>
-                              <p:par>
-                                <p:cTn id="5" presetID="1" presetClass="entr" presetSubtype="0" fill="hold" grpId="0" nodeType="clickEffect">
-                                  <p:stCondLst>
-                                    <p:cond delay="0"/>
-                                  </p:stCondLst>
-                                  <p:childTnLst>
-                                    <p:set>
-                                      <p:cBhvr>
-                                        <p:cTn id="6" dur="1" fill="hold">
-                                          <p:stCondLst>
-                                            <p:cond delay="0"/>
-                                          </p:stCondLst>
-                                        </p:cTn>
-                                        <p:tgtEl>
-                                          <p:spTgt spid="13"/>
-                                        </p:tgtEl>
-                                        <p:attrNameLst>
-                                          <p:attrName>style.visibility</p:attrName>
-                                        </p:attrNameLst>
-                                      </p:cBhvr>
-                                      <p:to>
-                                        <p:strVal val="visible"/>
-                                      </p:to>
-                                    </p:set>
-                                  </p:childTnLst>
-                                </p:cTn>
-                              </p:par>
-                            </p:childTnLst>
-                          </p:cTn>
-                        </p:par>
-                      </p:childTnLst>
-                    </p:cTn>
-                  </p:par>
-                </p:childTnLst>
-              </p:cTn>
-              <p:prevCondLst>
-                <p:cond evt="onPrev" delay="0">
-                  <p:tgtEl>
-                    <p:sldTgt/>
-                  </p:tgtEl>
-                </p:cond>
-              </p:prevCondLst>
-              <p:nextCondLst>
-                <p:cond evt="onNext" delay="0">
-                  <p:tgtEl>
-                    <p:sldTgt/>
-                  </p:tgtEl>
-                </p:cond>
-              </p:nextCondLst>
-            </p:seq>
-          </p:childTnLst>
-        </p:cTn>
-      </p:par>
-    </p:tnLst>
-    <p:bldLst>
-      <p:bldP spid="13" grpId="0"/>
-    </p:bldLst>
-  </p:timing>
 </p:sld>
 </file>
 
